--- a/units/4/lessons/7/resources/petascale-lesson-4.7-slides.pptx
+++ b/units/4/lessons/7/resources/petascale-lesson-4.7-slides.pptx
@@ -9,7 +9,7 @@
   </p:notesMasterIdLst>
   <p:sldIdLst>
     <p:sldId id="283" r:id="rId2"/>
-    <p:sldId id="284" r:id="rId3"/>
+    <p:sldId id="285" r:id="rId3"/>
     <p:sldId id="257" r:id="rId4"/>
     <p:sldId id="258" r:id="rId5"/>
     <p:sldId id="259" r:id="rId6"/>
@@ -8433,11 +8433,6 @@
               </a:rPr>
               <a:t>for the Shodor Education Foundation, Inc.</a:t>
             </a:r>
-            <a:endParaRPr lang="en-US" sz="2700" i="1" dirty="0">
-              <a:latin typeface="Times New Roman" charset="0"/>
-              <a:ea typeface="Times New Roman" charset="0"/>
-              <a:cs typeface="Times New Roman" charset="0"/>
-            </a:endParaRPr>
           </a:p>
         </p:txBody>
       </p:sp>
@@ -12439,7 +12434,7 @@
         </p:nvSpPr>
         <p:spPr>
           <a:xfrm>
-            <a:off x="566059" y="0"/>
+            <a:off x="566057" y="0"/>
             <a:ext cx="8011886" cy="5143500"/>
           </a:xfrm>
         </p:spPr>
@@ -12486,7 +12481,23 @@
                 <a:ea typeface="Times New Roman" charset="0"/>
                 <a:cs typeface="Times New Roman" charset="0"/>
               </a:rPr>
-              <a:t>CC BY-NC 4.0. To view a copy of this license, visit </a:t>
+              <a:t>CC </a:t>
+            </a:r>
+            <a:r>
+              <a:rPr lang="en-US" sz="2100" dirty="0" smtClean="0">
+                <a:latin typeface="Times New Roman" charset="0"/>
+                <a:ea typeface="Times New Roman" charset="0"/>
+                <a:cs typeface="Times New Roman" charset="0"/>
+              </a:rPr>
+              <a:t>BY-SA </a:t>
+            </a:r>
+            <a:r>
+              <a:rPr lang="en-US" sz="2100" dirty="0">
+                <a:latin typeface="Times New Roman" charset="0"/>
+                <a:ea typeface="Times New Roman" charset="0"/>
+                <a:cs typeface="Times New Roman" charset="0"/>
+              </a:rPr>
+              <a:t>4.0. To view a copy of this license, visit </a:t>
             </a:r>
             <a:r>
               <a:rPr lang="en-US" sz="2100" dirty="0">
@@ -12495,7 +12506,16 @@
                 <a:cs typeface="Times New Roman" charset="0"/>
                 <a:hlinkClick r:id="rId2"/>
               </a:rPr>
-              <a:t>https://creativecommons.org/licenses/by-nc/4.0</a:t>
+              <a:t>https://</a:t>
+            </a:r>
+            <a:r>
+              <a:rPr lang="en-US" sz="2100" dirty="0" smtClean="0">
+                <a:latin typeface="Times New Roman" charset="0"/>
+                <a:ea typeface="Times New Roman" charset="0"/>
+                <a:cs typeface="Times New Roman" charset="0"/>
+                <a:hlinkClick r:id="rId2"/>
+              </a:rPr>
+              <a:t>creativecommons.org/licenses/by-sa/4.0</a:t>
             </a:r>
             <a:r>
               <a:rPr lang="en-US" sz="2100" dirty="0">
@@ -12649,20 +12669,13 @@
     </p:spTree>
     <p:extLst>
       <p:ext uri="{BB962C8B-B14F-4D97-AF65-F5344CB8AC3E}">
-        <p14:creationId xmlns:p14="http://schemas.microsoft.com/office/powerpoint/2010/main" val="64087299"/>
+        <p14:creationId xmlns:p14="http://schemas.microsoft.com/office/powerpoint/2010/main" val="1731687556"/>
       </p:ext>
     </p:extLst>
   </p:cSld>
   <p:clrMapOvr>
     <a:masterClrMapping/>
   </p:clrMapOvr>
-  <p:timing>
-    <p:tnLst>
-      <p:par>
-        <p:cTn id="1" dur="indefinite" restart="never" nodeType="tmRoot"/>
-      </p:par>
-    </p:tnLst>
-  </p:timing>
 </p:sld>
 </file>
 

--- a/units/4/lessons/7/resources/petascale-lesson-4.7-slides.pptx
+++ b/units/4/lessons/7/resources/petascale-lesson-4.7-slides.pptx
@@ -287,6 +287,66 @@
 </p:presentation>
 </file>
 
+<file path=ppt/revisionInfo.xml><?xml version="1.0" encoding="utf-8"?>
+<p1510:revInfo xmlns:a="http://schemas.openxmlformats.org/drawingml/2006/main" xmlns:r="http://schemas.openxmlformats.org/officeDocument/2006/relationships" xmlns:p1510="http://schemas.microsoft.com/office/powerpoint/2015/10/main">
+  <p1510:revLst>
+    <p1510:client id="{F7FE7A93-BB29-4B01-BBB0-B11599A2B9AF}" v="1" dt="2020-11-30T16:57:11.045"/>
+  </p1510:revLst>
+</p1510:revInfo>
+</file>
+
+<file path=ppt/changesInfos/changesInfo1.xml><?xml version="1.0" encoding="utf-8"?>
+<pc:chgInfo xmlns:a="http://schemas.openxmlformats.org/drawingml/2006/main" xmlns:r="http://schemas.openxmlformats.org/officeDocument/2006/relationships" xmlns:ac="http://schemas.microsoft.com/office/drawing/2013/main/command" xmlns:pc="http://schemas.microsoft.com/office/powerpoint/2013/main/command">
+  <pc:docChgLst>
+    <pc:chgData name="Magik Home" userId="68ebee5321e2cff8" providerId="LiveId" clId="{F7FE7A93-BB29-4B01-BBB0-B11599A2B9AF}"/>
+    <pc:docChg chg="undo redo custSel modSld">
+      <pc:chgData name="Magik Home" userId="68ebee5321e2cff8" providerId="LiveId" clId="{F7FE7A93-BB29-4B01-BBB0-B11599A2B9AF}" dt="2020-11-30T16:57:37.103" v="15" actId="478"/>
+      <pc:docMkLst>
+        <pc:docMk/>
+      </pc:docMkLst>
+      <pc:sldChg chg="modSp mod">
+        <pc:chgData name="Magik Home" userId="68ebee5321e2cff8" providerId="LiveId" clId="{F7FE7A93-BB29-4B01-BBB0-B11599A2B9AF}" dt="2020-11-30T16:45:14.812" v="4" actId="20577"/>
+        <pc:sldMkLst>
+          <pc:docMk/>
+          <pc:sldMk cId="0" sldId="270"/>
+        </pc:sldMkLst>
+        <pc:spChg chg="mod">
+          <ac:chgData name="Magik Home" userId="68ebee5321e2cff8" providerId="LiveId" clId="{F7FE7A93-BB29-4B01-BBB0-B11599A2B9AF}" dt="2020-11-30T16:45:14.812" v="4" actId="20577"/>
+          <ac:spMkLst>
+            <pc:docMk/>
+            <pc:sldMk cId="0" sldId="270"/>
+            <ac:spMk id="153" creationId="{00000000-0000-0000-0000-000000000000}"/>
+          </ac:spMkLst>
+        </pc:spChg>
+      </pc:sldChg>
+      <pc:sldChg chg="addSp delSp modSp mod modNotes">
+        <pc:chgData name="Magik Home" userId="68ebee5321e2cff8" providerId="LiveId" clId="{F7FE7A93-BB29-4B01-BBB0-B11599A2B9AF}" dt="2020-11-30T16:57:37.103" v="15" actId="478"/>
+        <pc:sldMkLst>
+          <pc:docMk/>
+          <pc:sldMk cId="0" sldId="276"/>
+        </pc:sldMkLst>
+        <pc:picChg chg="add mod">
+          <ac:chgData name="Magik Home" userId="68ebee5321e2cff8" providerId="LiveId" clId="{F7FE7A93-BB29-4B01-BBB0-B11599A2B9AF}" dt="2020-11-30T16:57:34.937" v="14" actId="1076"/>
+          <ac:picMkLst>
+            <pc:docMk/>
+            <pc:sldMk cId="0" sldId="276"/>
+            <ac:picMk id="6" creationId="{982D1520-9D37-4970-8792-5BD505280E53}"/>
+          </ac:picMkLst>
+        </pc:picChg>
+        <pc:picChg chg="del">
+          <ac:chgData name="Magik Home" userId="68ebee5321e2cff8" providerId="LiveId" clId="{F7FE7A93-BB29-4B01-BBB0-B11599A2B9AF}" dt="2020-11-30T16:57:37.103" v="15" actId="478"/>
+          <ac:picMkLst>
+            <pc:docMk/>
+            <pc:sldMk cId="0" sldId="276"/>
+            <ac:picMk id="191" creationId="{00000000-0000-0000-0000-000000000000}"/>
+          </ac:picMkLst>
+        </pc:picChg>
+      </pc:sldChg>
+    </pc:docChg>
+  </pc:docChgLst>
+</pc:chgInfo>
+</file>
+
 <file path=ppt/notesMasters/notesMaster1.xml><?xml version="1.0" encoding="utf-8"?>
 <p:notesMaster xmlns:a="http://schemas.openxmlformats.org/drawingml/2006/main" xmlns:r="http://schemas.openxmlformats.org/officeDocument/2006/relationships" xmlns:p="http://schemas.openxmlformats.org/presentationml/2006/main">
   <p:cSld>
@@ -1357,7 +1417,7 @@
         </p:nvSpPr>
         <p:spPr>
           <a:xfrm>
-            <a:off x="381300" y="685800"/>
+            <a:off x="381000" y="685800"/>
             <a:ext cx="6096000" cy="3429000"/>
           </a:xfrm>
           <a:custGeom>
@@ -2089,7 +2149,7 @@
         </p:nvSpPr>
         <p:spPr>
           <a:xfrm>
-            <a:off x="381300" y="685800"/>
+            <a:off x="381000" y="685800"/>
             <a:ext cx="6096000" cy="3429000"/>
           </a:xfrm>
           <a:custGeom>
@@ -8317,14 +8377,6 @@
               </a:rPr>
               <a:t>Blue Waters Petascale Semester Curriculum v1.0</a:t>
             </a:r>
-            <a:r>
-              <a:rPr lang="en-US" sz="2700" dirty="0">
-                <a:latin typeface="Times New Roman" charset="0"/>
-                <a:ea typeface="Times New Roman" charset="0"/>
-                <a:cs typeface="Times New Roman" charset="0"/>
-              </a:rPr>
-              <a:t/>
-            </a:r>
             <a:br>
               <a:rPr lang="en-US" sz="2700" dirty="0">
                 <a:latin typeface="Times New Roman" charset="0"/>
@@ -8348,14 +8400,6 @@
               </a:rPr>
               <a:t>OpenMP</a:t>
             </a:r>
-            <a:r>
-              <a:rPr lang="en-US" sz="2700" dirty="0">
-                <a:latin typeface="Times New Roman" charset="0"/>
-                <a:ea typeface="Times New Roman" charset="0"/>
-                <a:cs typeface="Times New Roman" charset="0"/>
-              </a:rPr>
-              <a:t/>
-            </a:r>
             <a:br>
               <a:rPr lang="en-US" sz="2700" dirty="0">
                 <a:latin typeface="Times New Roman" charset="0"/>
@@ -8409,14 +8453,6 @@
                 <a:cs typeface="Times New Roman" charset="0"/>
               </a:rPr>
               <a:t>Samyono</a:t>
-            </a:r>
-            <a:r>
-              <a:rPr lang="en-US" sz="2700" i="1" dirty="0">
-                <a:latin typeface="Times New Roman" charset="0"/>
-                <a:ea typeface="Times New Roman" charset="0"/>
-                <a:cs typeface="Times New Roman" charset="0"/>
-              </a:rPr>
-              <a:t/>
             </a:r>
             <a:br>
               <a:rPr lang="en-US" sz="2700" i="1" dirty="0">
@@ -8446,13 +8482,6 @@
   <p:clrMapOvr>
     <a:masterClrMapping/>
   </p:clrMapOvr>
-  <p:timing>
-    <p:tnLst>
-      <p:par>
-        <p:cTn id="1" dur="indefinite" restart="never" nodeType="tmRoot"/>
-      </p:par>
-    </p:tnLst>
-  </p:timing>
 </p:sld>
 </file>
 
@@ -8839,10 +8868,10 @@
               <a:buNone/>
             </a:pPr>
             <a:r>
-              <a:rPr lang="en"/>
+              <a:rPr lang="en" dirty="0"/>
               <a:t>By default, OpenMP splits the iterations of a loop into chunks of equal (or roughly equal) size, assigns each chunk to a thread, and lets each thread loop through its subset of the iterations.</a:t>
             </a:r>
-            <a:endParaRPr/>
+            <a:endParaRPr dirty="0"/>
           </a:p>
           <a:p>
             <a:pPr marL="0" lvl="0" indent="0" algn="l" rtl="0">
@@ -8863,10 +8892,10 @@
               <a:buNone/>
             </a:pPr>
             <a:r>
-              <a:rPr lang="en"/>
+              <a:rPr lang="en" dirty="0"/>
               <a:t>So, for example, if you have 4 threads and 12 iterations, then each thread gets three iterations:</a:t>
             </a:r>
-            <a:endParaRPr/>
+            <a:endParaRPr dirty="0"/>
           </a:p>
           <a:p>
             <a:pPr marL="0" lvl="0" indent="0" algn="l" rtl="0">
@@ -8887,10 +8916,10 @@
               <a:buNone/>
             </a:pPr>
             <a:r>
-              <a:rPr lang="en"/>
+              <a:rPr lang="en" dirty="0"/>
               <a:t>Thread 0: iterations 0, 1, 2</a:t>
             </a:r>
-            <a:endParaRPr/>
+            <a:endParaRPr dirty="0"/>
           </a:p>
           <a:p>
             <a:pPr marL="0" lvl="0" indent="0" algn="l" rtl="0">
@@ -8911,10 +8940,10 @@
               <a:buNone/>
             </a:pPr>
             <a:r>
-              <a:rPr lang="en"/>
+              <a:rPr lang="en" dirty="0"/>
               <a:t>Thread 1: iterations 3, 4, 5</a:t>
             </a:r>
-            <a:endParaRPr/>
+            <a:endParaRPr dirty="0"/>
           </a:p>
           <a:p>
             <a:pPr marL="0" lvl="0" indent="0" algn="l" rtl="0">
@@ -8935,10 +8964,10 @@
               <a:buNone/>
             </a:pPr>
             <a:r>
-              <a:rPr lang="en"/>
+              <a:rPr lang="en" dirty="0"/>
               <a:t>Thread 2: iterations 6, 7, 8</a:t>
             </a:r>
-            <a:endParaRPr/>
+            <a:endParaRPr dirty="0"/>
           </a:p>
           <a:p>
             <a:pPr marL="0" lvl="0" indent="0" algn="l" rtl="0">
@@ -8959,10 +8988,10 @@
               <a:buNone/>
             </a:pPr>
             <a:r>
-              <a:rPr lang="en"/>
+              <a:rPr lang="en" dirty="0"/>
               <a:t>Thread 3: iterations 9, 10, 11</a:t>
             </a:r>
-            <a:endParaRPr/>
+            <a:endParaRPr dirty="0"/>
           </a:p>
           <a:p>
             <a:pPr marL="0" lvl="0" indent="0" algn="l" rtl="0">
@@ -8983,10 +9012,10 @@
               <a:buNone/>
             </a:pPr>
             <a:r>
-              <a:rPr lang="en"/>
+              <a:rPr lang="en" dirty="0"/>
               <a:t>Notice that each thread performs its own chunk in deterministic order, but that the overall order is nondeterministic.</a:t>
             </a:r>
-            <a:endParaRPr/>
+            <a:endParaRPr dirty="0"/>
           </a:p>
           <a:p>
             <a:pPr marL="0" lvl="0" indent="0" algn="l" rtl="0">
@@ -8998,7 +9027,7 @@
               </a:spcAft>
               <a:buNone/>
             </a:pPr>
-            <a:endParaRPr/>
+            <a:endParaRPr dirty="0"/>
           </a:p>
         </p:txBody>
       </p:sp>
@@ -10177,14 +10206,14 @@
               <a:buNone/>
             </a:pPr>
             <a:r>
-              <a:rPr lang="en">
+              <a:rPr lang="en" dirty="0">
                 <a:solidFill>
                   <a:srgbClr val="4A86E8"/>
                 </a:solidFill>
               </a:rPr>
               <a:t>#pragma omp parallel for …</a:t>
             </a:r>
-            <a:endParaRPr>
+            <a:endParaRPr dirty="0">
               <a:solidFill>
                 <a:srgbClr val="4A86E8"/>
               </a:solidFill>
@@ -10209,10 +10238,10 @@
               <a:buNone/>
             </a:pPr>
             <a:r>
-              <a:rPr lang="en"/>
+              <a:rPr lang="en" dirty="0"/>
               <a:t>    for (iteration = 0;</a:t>
             </a:r>
-            <a:endParaRPr/>
+            <a:endParaRPr dirty="0"/>
           </a:p>
           <a:p>
             <a:pPr marL="0" lvl="0" indent="0" algn="l" rtl="0">
@@ -10233,11 +10262,11 @@
               <a:buNone/>
             </a:pPr>
             <a:r>
-              <a:rPr lang="en"/>
+              <a:rPr lang="en" dirty="0"/>
               <a:t>          iteration &lt; </a:t>
             </a:r>
             <a:r>
-              <a:rPr lang="en">
+              <a:rPr lang="en" dirty="0">
                 <a:solidFill>
                   <a:srgbClr val="FF0000"/>
                 </a:solidFill>
@@ -10245,10 +10274,10 @@
               <a:t>number_of_threads</a:t>
             </a:r>
             <a:r>
-              <a:rPr lang="en"/>
+              <a:rPr lang="en" dirty="0"/>
               <a:t>; iteration++) {</a:t>
             </a:r>
-            <a:endParaRPr/>
+            <a:endParaRPr dirty="0"/>
           </a:p>
           <a:p>
             <a:pPr marL="0" lvl="0" indent="0" algn="l" rtl="0">
@@ -10269,11 +10298,11 @@
               <a:buNone/>
             </a:pPr>
             <a:r>
-              <a:rPr lang="en"/>
+              <a:rPr lang="en" dirty="0"/>
               <a:t>       this_thread = </a:t>
             </a:r>
             <a:r>
-              <a:rPr lang="en">
+              <a:rPr lang="en" dirty="0">
                 <a:solidFill>
                   <a:srgbClr val="4A86E8"/>
                 </a:solidFill>
@@ -10281,10 +10310,10 @@
               <a:t>omp_get_thread_num()</a:t>
             </a:r>
             <a:r>
-              <a:rPr lang="en"/>
+              <a:rPr lang="en" dirty="0"/>
               <a:t>;</a:t>
             </a:r>
-            <a:endParaRPr/>
+            <a:endParaRPr dirty="0"/>
           </a:p>
           <a:p>
             <a:pPr marL="0" lvl="0" indent="0" algn="l" rtl="0">
@@ -10305,10 +10334,10 @@
               <a:buNone/>
             </a:pPr>
             <a:r>
-              <a:rPr lang="en"/>
+              <a:rPr lang="en" dirty="0"/>
               <a:t>       printf("Iteration %d, thread %d: Hello, world!\n",</a:t>
             </a:r>
-            <a:endParaRPr/>
+            <a:endParaRPr dirty="0"/>
           </a:p>
           <a:p>
             <a:pPr marL="0" lvl="0" indent="0" algn="l" rtl="0">
@@ -10329,7 +10358,7 @@
               <a:buNone/>
             </a:pPr>
             <a:r>
-              <a:rPr lang="en">
+              <a:rPr lang="en" dirty="0">
                 <a:solidFill>
                   <a:srgbClr val="4A86E8"/>
                 </a:solidFill>
@@ -10337,10 +10366,10 @@
               <a:t>             iteration, thread</a:t>
             </a:r>
             <a:r>
-              <a:rPr lang="en"/>
+              <a:rPr lang="en" dirty="0"/>
               <a:t>);</a:t>
             </a:r>
-            <a:endParaRPr/>
+            <a:endParaRPr dirty="0"/>
           </a:p>
           <a:p>
             <a:pPr marL="0" lvl="0" indent="0" algn="l" rtl="0">
@@ -10361,10 +10390,10 @@
               <a:buNone/>
             </a:pPr>
             <a:r>
-              <a:rPr lang="en"/>
+              <a:rPr lang="en" dirty="0"/>
               <a:t>}</a:t>
             </a:r>
-            <a:endParaRPr/>
+            <a:endParaRPr dirty="0"/>
           </a:p>
           <a:p>
             <a:pPr marL="0" lvl="0" indent="0" algn="l" rtl="0">
@@ -10385,11 +10414,11 @@
               <a:buNone/>
             </a:pPr>
             <a:r>
-              <a:rPr lang="en"/>
+              <a:rPr lang="en" dirty="0"/>
               <a:t>Notice that, regardless of whether the iterations of the loop are executed serially or in parallel, </a:t>
             </a:r>
             <a:r>
-              <a:rPr lang="en">
+              <a:rPr lang="en" dirty="0">
                 <a:solidFill>
                   <a:srgbClr val="FF0000"/>
                 </a:solidFill>
@@ -10397,10 +10426,10 @@
               <a:t>number_of_threads</a:t>
             </a:r>
             <a:r>
-              <a:rPr lang="en"/>
+              <a:rPr lang="en" dirty="0"/>
               <a:t> will be correct for all of the threads.</a:t>
             </a:r>
-            <a:endParaRPr/>
+            <a:endParaRPr dirty="0"/>
           </a:p>
           <a:p>
             <a:pPr marL="0" lvl="0" indent="0" algn="l" rtl="0">
@@ -10421,11 +10450,11 @@
               <a:buNone/>
             </a:pPr>
             <a:r>
-              <a:rPr lang="en"/>
+              <a:rPr lang="en" dirty="0"/>
               <a:t>All threads should share a single instance of </a:t>
             </a:r>
             <a:r>
-              <a:rPr lang="en">
+              <a:rPr lang="en" dirty="0">
                 <a:solidFill>
                   <a:srgbClr val="FF0000"/>
                 </a:solidFill>
@@ -10433,10 +10462,10 @@
               <a:t>number_of_threads</a:t>
             </a:r>
             <a:r>
-              <a:rPr lang="en"/>
+              <a:rPr lang="en" dirty="0"/>
               <a:t>.</a:t>
             </a:r>
-            <a:endParaRPr/>
+            <a:endParaRPr dirty="0"/>
           </a:p>
           <a:p>
             <a:pPr marL="0" lvl="0" indent="0" algn="l" rtl="0">
@@ -10448,7 +10477,7 @@
               </a:spcAft>
               <a:buNone/>
             </a:pPr>
-            <a:endParaRPr/>
+            <a:endParaRPr dirty="0"/>
           </a:p>
         </p:txBody>
       </p:sp>
@@ -10555,11 +10584,11 @@
               <a:buAutoNum type="arabicParenR"/>
             </a:pPr>
             <a:r>
-              <a:rPr lang="en" sz="1400"/>
+              <a:rPr lang="en" sz="1400" dirty="0"/>
               <a:t>Create a bare bone code as in C with </a:t>
             </a:r>
             <a:r>
-              <a:rPr lang="en" sz="1400">
+              <a:rPr lang="en" sz="1400" dirty="0">
                 <a:solidFill>
                   <a:srgbClr val="FF0000"/>
                 </a:solidFill>
@@ -10567,10 +10596,10 @@
               <a:t>#include&lt;omp.h&gt;</a:t>
             </a:r>
             <a:r>
-              <a:rPr lang="en" sz="1400"/>
+              <a:rPr lang="en" sz="1400" dirty="0"/>
               <a:t> ←- function call OpenMP Library routines</a:t>
             </a:r>
-            <a:endParaRPr sz="1400"/>
+            <a:endParaRPr sz="1400" dirty="0"/>
           </a:p>
           <a:p>
             <a:pPr marL="457200" lvl="0" indent="-317500" algn="l" rtl="0">
@@ -10584,11 +10613,11 @@
               <a:buAutoNum type="arabicParenR"/>
             </a:pPr>
             <a:r>
-              <a:rPr lang="en" sz="1400"/>
+              <a:rPr lang="en" sz="1400" dirty="0"/>
               <a:t>Create multiple threads. </a:t>
             </a:r>
             <a:r>
-              <a:rPr lang="en" sz="1400">
+              <a:rPr lang="en" sz="1400" dirty="0">
                 <a:solidFill>
                   <a:srgbClr val="FF0000"/>
                 </a:solidFill>
@@ -10596,10 +10625,10 @@
               <a:t>#pragma omp parallel</a:t>
             </a:r>
             <a:r>
-              <a:rPr lang="en" sz="1400"/>
+              <a:rPr lang="en" sz="1400" dirty="0"/>
               <a:t> ←- parallel compiler directive</a:t>
             </a:r>
-            <a:endParaRPr sz="1400"/>
+            <a:endParaRPr sz="1400" dirty="0"/>
           </a:p>
           <a:p>
             <a:pPr marL="457200" lvl="0" indent="-317500" algn="l" rtl="0">
@@ -10613,11 +10642,11 @@
               <a:buAutoNum type="arabicParenR"/>
             </a:pPr>
             <a:r>
-              <a:rPr lang="en" sz="1400"/>
+              <a:rPr lang="en" sz="1400" dirty="0"/>
               <a:t>Specify the number of threads (n) can be created to run the program. </a:t>
             </a:r>
             <a:r>
-              <a:rPr lang="en" sz="1400">
+              <a:rPr lang="en" sz="1400" dirty="0">
                 <a:solidFill>
                   <a:srgbClr val="FF0000"/>
                 </a:solidFill>
@@ -10625,10 +10654,10 @@
               <a:t>omp_set_num_threads(n)</a:t>
             </a:r>
             <a:r>
-              <a:rPr lang="en" sz="1400"/>
+              <a:rPr lang="en" sz="1400" dirty="0"/>
               <a:t> ←- OpenMP function call</a:t>
             </a:r>
-            <a:endParaRPr sz="1400"/>
+            <a:endParaRPr sz="1400" dirty="0"/>
           </a:p>
           <a:p>
             <a:pPr marL="457200" lvl="0" indent="-317500" algn="l" rtl="0">
@@ -10642,11 +10671,11 @@
               <a:buAutoNum type="arabicParenR"/>
             </a:pPr>
             <a:r>
-              <a:rPr lang="en" sz="1400"/>
+              <a:rPr lang="en" sz="1400" dirty="0"/>
               <a:t>Create private and shared variables to avoid the race condition. </a:t>
             </a:r>
             <a:r>
-              <a:rPr lang="en" sz="1400">
+              <a:rPr lang="en" sz="1400" dirty="0">
                 <a:solidFill>
                   <a:srgbClr val="FF0000"/>
                 </a:solidFill>
@@ -10654,10 +10683,10 @@
               <a:t>#pragma omp parallel private(var1, var2, ….) shared(var1, var2, ….) </a:t>
             </a:r>
             <a:r>
-              <a:rPr lang="en" sz="1400"/>
+              <a:rPr lang="en" sz="1400" dirty="0"/>
               <a:t>←- OpenMP environment private variables </a:t>
             </a:r>
-            <a:endParaRPr sz="1400"/>
+            <a:endParaRPr sz="1400" dirty="0"/>
           </a:p>
           <a:p>
             <a:pPr marL="457200" lvl="0" indent="-317500" algn="l" rtl="0">
@@ -10671,11 +10700,11 @@
               <a:buAutoNum type="arabicParenR"/>
             </a:pPr>
             <a:r>
-              <a:rPr lang="en" sz="1400"/>
+              <a:rPr lang="en" sz="1400" dirty="0"/>
               <a:t>Get individual thread numbers inside the parallel section. </a:t>
             </a:r>
             <a:r>
-              <a:rPr lang="en" sz="1400">
+              <a:rPr lang="en" sz="1400" dirty="0">
                 <a:solidFill>
                   <a:srgbClr val="FF0000"/>
                 </a:solidFill>
@@ -10683,10 +10712,10 @@
               <a:t>omp_get_thread_num()</a:t>
             </a:r>
             <a:r>
-              <a:rPr lang="en" sz="1400"/>
+              <a:rPr lang="en" sz="1400" dirty="0"/>
               <a:t> </a:t>
             </a:r>
-            <a:endParaRPr sz="1400"/>
+            <a:endParaRPr sz="1400" dirty="0"/>
           </a:p>
           <a:p>
             <a:pPr marL="457200" lvl="0" indent="-317500" algn="l" rtl="0">
@@ -10700,35 +10729,18 @@
               <a:buAutoNum type="arabicParenR"/>
             </a:pPr>
             <a:r>
-              <a:rPr lang="en" sz="1400"/>
+              <a:rPr lang="en" sz="1400" dirty="0"/>
               <a:t>Get the total number of threads OpenMP created in the run. </a:t>
             </a:r>
             <a:r>
-              <a:rPr lang="en" sz="1400">
+              <a:rPr lang="en" sz="1400" dirty="0">
                 <a:solidFill>
                   <a:srgbClr val="FF0000"/>
                 </a:solidFill>
               </a:rPr>
               <a:t>int omp_get_num_threads(int num)</a:t>
             </a:r>
-            <a:endParaRPr sz="1400"/>
-          </a:p>
-          <a:p>
-            <a:pPr marL="457200" lvl="0" indent="-317500" algn="l" rtl="0">
-              <a:spcBef>
-                <a:spcPts val="0"/>
-              </a:spcBef>
-              <a:spcAft>
-                <a:spcPts val="0"/>
-              </a:spcAft>
-              <a:buSzPts val="1400"/>
-              <a:buAutoNum type="arabicParenR"/>
-            </a:pPr>
-            <a:r>
-              <a:rPr lang="en" sz="1400"/>
-              <a:t>mmm</a:t>
-            </a:r>
-            <a:endParaRPr sz="1400"/>
+            <a:endParaRPr sz="1400" dirty="0"/>
           </a:p>
           <a:p>
             <a:pPr marL="0" lvl="0" indent="0" algn="l" rtl="0">
@@ -10741,10 +10753,10 @@
               <a:buNone/>
             </a:pPr>
             <a:r>
-              <a:rPr lang="en" sz="1400"/>
+              <a:rPr lang="en" sz="1400" dirty="0"/>
               <a:t>We can see that all the main components of OpenMP included. We may apply all these components in the next slide.  </a:t>
             </a:r>
-            <a:endParaRPr sz="1400"/>
+            <a:endParaRPr sz="1400" dirty="0"/>
           </a:p>
         </p:txBody>
       </p:sp>
@@ -12481,23 +12493,7 @@
                 <a:ea typeface="Times New Roman" charset="0"/>
                 <a:cs typeface="Times New Roman" charset="0"/>
               </a:rPr>
-              <a:t>CC </a:t>
-            </a:r>
-            <a:r>
-              <a:rPr lang="en-US" sz="2100" dirty="0" smtClean="0">
-                <a:latin typeface="Times New Roman" charset="0"/>
-                <a:ea typeface="Times New Roman" charset="0"/>
-                <a:cs typeface="Times New Roman" charset="0"/>
-              </a:rPr>
-              <a:t>BY-SA </a:t>
-            </a:r>
-            <a:r>
-              <a:rPr lang="en-US" sz="2100" dirty="0">
-                <a:latin typeface="Times New Roman" charset="0"/>
-                <a:ea typeface="Times New Roman" charset="0"/>
-                <a:cs typeface="Times New Roman" charset="0"/>
-              </a:rPr>
-              <a:t>4.0. To view a copy of this license, visit </a:t>
+              <a:t>CC BY-SA 4.0. To view a copy of this license, visit </a:t>
             </a:r>
             <a:r>
               <a:rPr lang="en-US" sz="2100" dirty="0">
@@ -12506,24 +12502,7 @@
                 <a:cs typeface="Times New Roman" charset="0"/>
                 <a:hlinkClick r:id="rId2"/>
               </a:rPr>
-              <a:t>https://</a:t>
-            </a:r>
-            <a:r>
-              <a:rPr lang="en-US" sz="2100" dirty="0" smtClean="0">
-                <a:latin typeface="Times New Roman" charset="0"/>
-                <a:ea typeface="Times New Roman" charset="0"/>
-                <a:cs typeface="Times New Roman" charset="0"/>
-                <a:hlinkClick r:id="rId2"/>
-              </a:rPr>
-              <a:t>creativecommons.org/licenses/by-sa/4.0</a:t>
-            </a:r>
-            <a:r>
-              <a:rPr lang="en-US" sz="2100" dirty="0">
-                <a:latin typeface="Times New Roman" charset="0"/>
-                <a:ea typeface="Times New Roman" charset="0"/>
-                <a:cs typeface="Times New Roman" charset="0"/>
-              </a:rPr>
-              <a:t/>
+              <a:t>https://creativecommons.org/licenses/by-sa/4.0</a:t>
             </a:r>
             <a:br>
               <a:rPr lang="en-US" sz="2100" dirty="0">
@@ -12532,14 +12511,6 @@
                 <a:cs typeface="Times New Roman" charset="0"/>
               </a:rPr>
             </a:br>
-            <a:r>
-              <a:rPr lang="en-US" sz="2100" dirty="0">
-                <a:latin typeface="Times New Roman" charset="0"/>
-                <a:ea typeface="Times New Roman" charset="0"/>
-                <a:cs typeface="Times New Roman" charset="0"/>
-              </a:rPr>
-              <a:t/>
-            </a:r>
             <a:br>
               <a:rPr lang="en-US" sz="2100" dirty="0">
                 <a:latin typeface="Times New Roman" charset="0"/>
@@ -12564,14 +12535,6 @@
               </a:rPr>
               <a:t>http://shodor.org/petascale/materials/semester-curriculum</a:t>
             </a:r>
-            <a:r>
-              <a:rPr lang="en-US" sz="2100" dirty="0">
-                <a:latin typeface="Times New Roman" charset="0"/>
-                <a:ea typeface="Times New Roman" charset="0"/>
-                <a:cs typeface="Times New Roman" charset="0"/>
-              </a:rPr>
-              <a:t/>
-            </a:r>
             <a:br>
               <a:rPr lang="en-US" sz="2100" dirty="0">
                 <a:latin typeface="Times New Roman" charset="0"/>
@@ -12579,14 +12542,6 @@
                 <a:cs typeface="Times New Roman" charset="0"/>
               </a:rPr>
             </a:br>
-            <a:r>
-              <a:rPr lang="en-US" sz="2100" dirty="0">
-                <a:latin typeface="Times New Roman" charset="0"/>
-                <a:ea typeface="Times New Roman" charset="0"/>
-                <a:cs typeface="Times New Roman" charset="0"/>
-              </a:rPr>
-              <a:t/>
-            </a:r>
             <a:br>
               <a:rPr lang="en-US" sz="2100" dirty="0">
                 <a:latin typeface="Times New Roman" charset="0"/>
@@ -12611,14 +12566,6 @@
               </a:rPr>
               <a:t>https://github.com/shodor-education/petascale-semester-curriculum</a:t>
             </a:r>
-            <a:r>
-              <a:rPr lang="en-US" sz="2100" dirty="0">
-                <a:latin typeface="Times New Roman" charset="0"/>
-                <a:ea typeface="Times New Roman" charset="0"/>
-                <a:cs typeface="Times New Roman" charset="0"/>
-              </a:rPr>
-              <a:t/>
-            </a:r>
             <a:br>
               <a:rPr lang="en-US" sz="2100" dirty="0">
                 <a:latin typeface="Times New Roman" charset="0"/>
@@ -12626,14 +12573,6 @@
                 <a:cs typeface="Times New Roman" charset="0"/>
               </a:rPr>
             </a:br>
-            <a:r>
-              <a:rPr lang="en-US" sz="2100" dirty="0">
-                <a:latin typeface="Times New Roman" charset="0"/>
-                <a:ea typeface="Times New Roman" charset="0"/>
-                <a:cs typeface="Times New Roman" charset="0"/>
-              </a:rPr>
-              <a:t/>
-            </a:r>
             <a:br>
               <a:rPr lang="en-US" sz="2100" dirty="0">
                 <a:latin typeface="Times New Roman" charset="0"/>
@@ -13068,16 +13007,12 @@
               <a:t>Using everything learned in this </a:t>
             </a:r>
             <a:r>
-              <a:rPr lang="en-US" sz="1500" dirty="0" smtClean="0"/>
+              <a:rPr lang="en-US" sz="1500" dirty="0"/>
               <a:t>lesson</a:t>
             </a:r>
             <a:r>
-              <a:rPr lang="en" sz="1500" dirty="0" smtClean="0"/>
-              <a:t>, </a:t>
-            </a:r>
-            <a:r>
               <a:rPr lang="en" sz="1500" dirty="0"/>
-              <a:t>let’s try to find the area under the x^2 curve, in the domain X[0, 1]. </a:t>
+              <a:t>, let’s try to find the area under the x^2 curve, in the domain X[0, 1]. </a:t>
             </a:r>
             <a:endParaRPr sz="1500" dirty="0"/>
           </a:p>
@@ -13513,10 +13448,10 @@
               <a:buNone/>
             </a:pPr>
             <a:r>
-              <a:rPr lang="en" sz="1400"/>
+              <a:rPr lang="en" sz="1400" dirty="0"/>
               <a:t>i = 0,1,2, …., N-1.     dx = 1.0/(N-1).       x = i*dx.  </a:t>
             </a:r>
-            <a:endParaRPr sz="1400"/>
+            <a:endParaRPr sz="1400" dirty="0"/>
           </a:p>
           <a:p>
             <a:pPr marL="0" lvl="0" indent="0" algn="l" rtl="0">
@@ -13529,10 +13464,10 @@
               <a:buNone/>
             </a:pPr>
             <a:r>
-              <a:rPr lang="en" sz="1400"/>
+              <a:rPr lang="en" sz="1400" dirty="0"/>
               <a:t>y=x*x.  area(i) = y*x=y*i*dx. </a:t>
             </a:r>
-            <a:endParaRPr sz="1400"/>
+            <a:endParaRPr sz="1400" dirty="0"/>
           </a:p>
           <a:p>
             <a:pPr marL="0" lvl="0" indent="0" algn="l" rtl="0">
@@ -13545,40 +13480,13 @@
               <a:buNone/>
             </a:pPr>
             <a:r>
-              <a:rPr lang="en" sz="1400"/>
+              <a:rPr lang="en" sz="1400" dirty="0"/>
               <a:t>RS=area(0)+area(1)+area(2)+……+area(N-1)</a:t>
             </a:r>
-            <a:endParaRPr sz="1400"/>
+            <a:endParaRPr sz="1400" dirty="0"/>
           </a:p>
         </p:txBody>
       </p:sp>
-      <p:pic>
-        <p:nvPicPr>
-          <p:cNvPr id="191" name="Google Shape;191;p33"/>
-          <p:cNvPicPr preferRelativeResize="0"/>
-          <p:nvPr/>
-        </p:nvPicPr>
-        <p:blipFill rotWithShape="1">
-          <a:blip r:embed="rId3">
-            <a:alphaModFix/>
-          </a:blip>
-          <a:srcRect l="26740" t="55581" r="62678" b="33311"/>
-          <a:stretch/>
-        </p:blipFill>
-        <p:spPr>
-          <a:xfrm>
-            <a:off x="4303374" y="1151075"/>
-            <a:ext cx="4326024" cy="2554150"/>
-          </a:xfrm>
-          <a:prstGeom prst="rect">
-            <a:avLst/>
-          </a:prstGeom>
-          <a:noFill/>
-          <a:ln>
-            <a:noFill/>
-          </a:ln>
-        </p:spPr>
-      </p:pic>
       <p:sp>
         <p:nvSpPr>
           <p:cNvPr id="192" name="Google Shape;192;p33"/>
@@ -13614,13 +13522,41 @@
               <a:buNone/>
             </a:pPr>
             <a:r>
-              <a:rPr lang="en" sz="1000"/>
+              <a:rPr lang="en" sz="1000" dirty="0"/>
               <a:t>Fig. 1. Using 6 rectangles to find a Left Riemann sum</a:t>
             </a:r>
-            <a:endParaRPr sz="1000"/>
+            <a:endParaRPr sz="1000" dirty="0"/>
           </a:p>
         </p:txBody>
       </p:sp>
+      <p:pic>
+        <p:nvPicPr>
+          <p:cNvPr id="6" name="Picture 5">
+            <a:extLst>
+              <a:ext uri="{FF2B5EF4-FFF2-40B4-BE49-F238E27FC236}">
+                <a16:creationId xmlns:a16="http://schemas.microsoft.com/office/drawing/2014/main" id="{982D1520-9D37-4970-8792-5BD505280E53}"/>
+              </a:ext>
+            </a:extLst>
+          </p:cNvPr>
+          <p:cNvPicPr/>
+          <p:nvPr/>
+        </p:nvPicPr>
+        <p:blipFill>
+          <a:blip r:embed="rId3"/>
+          <a:stretch>
+            <a:fillRect/>
+          </a:stretch>
+        </p:blipFill>
+        <p:spPr>
+          <a:xfrm>
+            <a:off x="4311008" y="1314107"/>
+            <a:ext cx="4318390" cy="2159195"/>
+          </a:xfrm>
+          <a:prstGeom prst="rect">
+            <a:avLst/>
+          </a:prstGeom>
+        </p:spPr>
+      </p:pic>
     </p:spTree>
   </p:cSld>
   <p:clrMapOvr>
@@ -15964,16 +15900,12 @@
               <a:t>This </a:t>
             </a:r>
             <a:r>
-              <a:rPr lang="en-US" sz="2000" dirty="0" smtClean="0"/>
+              <a:rPr lang="en-US" sz="2000" dirty="0"/>
               <a:t>lesson </a:t>
             </a:r>
             <a:r>
-              <a:rPr lang="en" sz="2000" dirty="0" smtClean="0"/>
-              <a:t>adapted </a:t>
-            </a:r>
-            <a:r>
               <a:rPr lang="en" sz="2000" dirty="0"/>
-              <a:t>these slides:</a:t>
+              <a:t>adapted these slides:</a:t>
             </a:r>
             <a:endParaRPr sz="2000" dirty="0"/>
           </a:p>
@@ -17432,10 +17364,10 @@
               <a:buNone/>
             </a:pPr>
             <a:r>
-              <a:rPr lang="en" b="1"/>
+              <a:rPr lang="en" b="1" dirty="0"/>
               <a:t>Shared Memory Concept</a:t>
             </a:r>
-            <a:endParaRPr b="1"/>
+            <a:endParaRPr b="1" dirty="0"/>
           </a:p>
         </p:txBody>
       </p:sp>
@@ -17556,14 +17488,14 @@
               <a:buNone/>
             </a:pPr>
             <a:r>
-              <a:rPr lang="en" b="1" i="1"/>
+              <a:rPr lang="en" b="1" i="1" dirty="0"/>
               <a:t>Shared Memory</a:t>
             </a:r>
             <a:r>
-              <a:rPr lang="en" sz="1200"/>
+              <a:rPr lang="en" sz="1200" dirty="0"/>
               <a:t> </a:t>
             </a:r>
-            <a:endParaRPr sz="1200"/>
+            <a:endParaRPr sz="1200" dirty="0"/>
           </a:p>
         </p:txBody>
       </p:sp>
@@ -17721,10 +17653,10 @@
               <a:buNone/>
             </a:pPr>
             <a:r>
-              <a:rPr lang="en" sz="700" b="1"/>
+              <a:rPr lang="en" sz="700" b="1" dirty="0"/>
               <a:t>Private Memory</a:t>
             </a:r>
-            <a:endParaRPr sz="700" b="1"/>
+            <a:endParaRPr sz="700" b="1" dirty="0"/>
           </a:p>
         </p:txBody>
       </p:sp>
@@ -17773,10 +17705,10 @@
               <a:buNone/>
             </a:pPr>
             <a:r>
-              <a:rPr lang="en"/>
+              <a:rPr lang="en" dirty="0"/>
               <a:t>Thread</a:t>
             </a:r>
-            <a:endParaRPr/>
+            <a:endParaRPr dirty="0"/>
           </a:p>
         </p:txBody>
       </p:sp>
@@ -17823,10 +17755,10 @@
               <a:buNone/>
             </a:pPr>
             <a:r>
-              <a:rPr lang="en" sz="700" b="1"/>
+              <a:rPr lang="en" sz="700" b="1" dirty="0"/>
               <a:t>Private Memory</a:t>
             </a:r>
-            <a:endParaRPr sz="700" b="1"/>
+            <a:endParaRPr sz="700" b="1" dirty="0"/>
           </a:p>
         </p:txBody>
       </p:sp>
@@ -17873,10 +17805,10 @@
               <a:buNone/>
             </a:pPr>
             <a:r>
-              <a:rPr lang="en" sz="700" b="1"/>
+              <a:rPr lang="en" sz="700" b="1" dirty="0"/>
               <a:t>Private Memory</a:t>
             </a:r>
-            <a:endParaRPr sz="700" b="1"/>
+            <a:endParaRPr sz="700" b="1" dirty="0"/>
           </a:p>
         </p:txBody>
       </p:sp>
@@ -17923,10 +17855,10 @@
               <a:buNone/>
             </a:pPr>
             <a:r>
-              <a:rPr lang="en" sz="700" b="1"/>
+              <a:rPr lang="en" sz="700" b="1" dirty="0"/>
               <a:t>Private Memory</a:t>
             </a:r>
-            <a:endParaRPr sz="700" b="1"/>
+            <a:endParaRPr sz="700" b="1" dirty="0"/>
           </a:p>
         </p:txBody>
       </p:sp>
@@ -17975,10 +17907,10 @@
               <a:buNone/>
             </a:pPr>
             <a:r>
-              <a:rPr lang="en"/>
+              <a:rPr lang="en" dirty="0"/>
               <a:t>Thread</a:t>
             </a:r>
-            <a:endParaRPr/>
+            <a:endParaRPr dirty="0"/>
           </a:p>
         </p:txBody>
       </p:sp>
@@ -18027,10 +17959,10 @@
               <a:buNone/>
             </a:pPr>
             <a:r>
-              <a:rPr lang="en"/>
+              <a:rPr lang="en" dirty="0"/>
               <a:t>Thread</a:t>
             </a:r>
-            <a:endParaRPr/>
+            <a:endParaRPr dirty="0"/>
           </a:p>
         </p:txBody>
       </p:sp>
@@ -18079,10 +18011,10 @@
               <a:buNone/>
             </a:pPr>
             <a:r>
-              <a:rPr lang="en"/>
+              <a:rPr lang="en" dirty="0"/>
               <a:t>Thread</a:t>
             </a:r>
-            <a:endParaRPr/>
+            <a:endParaRPr dirty="0"/>
           </a:p>
         </p:txBody>
       </p:sp>
@@ -18193,10 +18125,10 @@
               <a:buNone/>
             </a:pPr>
             <a:r>
-              <a:rPr lang="en"/>
+              <a:rPr lang="en" dirty="0"/>
               <a:t>OpenMP is a standard API that can be used in shared memory programs, which are written in Fortran, C, and C++.</a:t>
             </a:r>
-            <a:endParaRPr/>
+            <a:endParaRPr dirty="0"/>
           </a:p>
           <a:p>
             <a:pPr marL="0" lvl="0" indent="0" algn="l" rtl="0">
@@ -18209,11 +18141,11 @@
               <a:buNone/>
             </a:pPr>
             <a:r>
-              <a:rPr lang="en"/>
+              <a:rPr lang="en" dirty="0"/>
               <a:t>Main OpenMP components consist of </a:t>
             </a:r>
             <a:r>
-              <a:rPr lang="en" sz="2400" b="1" i="1" u="sng">
+              <a:rPr lang="en" sz="2400" b="1" i="1" u="sng" dirty="0">
                 <a:solidFill>
                   <a:schemeClr val="dk1"/>
                 </a:solidFill>
@@ -18221,7 +18153,7 @@
               <a:t>compiler directives</a:t>
             </a:r>
             <a:r>
-              <a:rPr lang="en" sz="2400">
+              <a:rPr lang="en" sz="2400" dirty="0">
                 <a:solidFill>
                   <a:schemeClr val="dk1"/>
                 </a:solidFill>
@@ -18229,7 +18161,7 @@
               <a:t>, </a:t>
             </a:r>
             <a:r>
-              <a:rPr lang="en" sz="2400" b="1" u="sng">
+              <a:rPr lang="en" sz="2400" b="1" u="sng" dirty="0">
                 <a:solidFill>
                   <a:schemeClr val="dk1"/>
                 </a:solidFill>
@@ -18237,7 +18169,7 @@
               <a:t>runtime library routines (functions),</a:t>
             </a:r>
             <a:r>
-              <a:rPr lang="en" sz="2400">
+              <a:rPr lang="en" sz="2400" dirty="0">
                 <a:solidFill>
                   <a:schemeClr val="dk1"/>
                 </a:solidFill>
@@ -18245,7 +18177,7 @@
               <a:t> and </a:t>
             </a:r>
             <a:r>
-              <a:rPr lang="en" sz="2400" b="1" u="sng">
+              <a:rPr lang="en" sz="2400" b="1" u="sng" dirty="0">
                 <a:solidFill>
                   <a:schemeClr val="dk1"/>
                 </a:solidFill>
@@ -18253,14 +18185,14 @@
               <a:t>environment variables</a:t>
             </a:r>
             <a:r>
-              <a:rPr lang="en" sz="2400">
+              <a:rPr lang="en" sz="2400" dirty="0">
                 <a:solidFill>
                   <a:schemeClr val="dk1"/>
                 </a:solidFill>
               </a:rPr>
               <a:t>.</a:t>
             </a:r>
-            <a:endParaRPr sz="2400">
+            <a:endParaRPr sz="2400" dirty="0">
               <a:solidFill>
                 <a:schemeClr val="dk1"/>
               </a:solidFill>
@@ -18277,10 +18209,10 @@
               <a:buNone/>
             </a:pPr>
             <a:r>
-              <a:rPr lang="en"/>
+              <a:rPr lang="en" dirty="0"/>
               <a:t>OpenMP Requires a supportive compiler, such as: GNU, IBM, Oracle, Intel, HP, MS, Cray, Absoft Pro Fortran, Portland Group Compilers and Tools, Lahey/Fujitsu Fortran 95, Path Scale. </a:t>
             </a:r>
-            <a:endParaRPr/>
+            <a:endParaRPr dirty="0"/>
           </a:p>
           <a:p>
             <a:pPr marL="0" lvl="0" indent="0" algn="l" rtl="0">
@@ -18293,11 +18225,11 @@
               <a:buNone/>
             </a:pPr>
             <a:r>
-              <a:rPr lang="en"/>
+              <a:rPr lang="en" dirty="0"/>
               <a:t>More details about OpenMP are in Petascale Website (</a:t>
             </a:r>
             <a:r>
-              <a:rPr lang="en" u="sng">
+              <a:rPr lang="en" u="sng" dirty="0">
                 <a:solidFill>
                   <a:schemeClr val="hlink"/>
                 </a:solidFill>
@@ -18306,10 +18238,10 @@
               <a:t>www.shodor.org/petascale</a:t>
             </a:r>
             <a:r>
-              <a:rPr lang="en"/>
+              <a:rPr lang="en" dirty="0"/>
               <a:t>). </a:t>
             </a:r>
-            <a:endParaRPr/>
+            <a:endParaRPr dirty="0"/>
           </a:p>
         </p:txBody>
       </p:sp>
